--- a/DSA REPORT.pptx
+++ b/DSA REPORT.pptx
@@ -33,8 +33,8 @@
     <p:sldId id="293" r:id="rId24"/>
     <p:sldId id="289" r:id="rId25"/>
     <p:sldId id="294" r:id="rId26"/>
-    <p:sldId id="295" r:id="rId27"/>
-    <p:sldId id="296" r:id="rId28"/>
+    <p:sldId id="304" r:id="rId27"/>
+    <p:sldId id="295" r:id="rId28"/>
     <p:sldId id="302" r:id="rId29"/>
     <p:sldId id="303" r:id="rId30"/>
   </p:sldIdLst>
@@ -4606,7 +4606,11 @@
           </a:bodyPr>
           <a:lstStyle/>
           <a:p>
-            <a:pPr algn="r" fontAlgn="base"/>
+            <a:pPr algn="r" fontAlgn="base">
+              <a:lnSpc>
+                <a:spcPct val="100000"/>
+              </a:lnSpc>
+            </a:pPr>
             <a:r>
               <a:rPr lang="en-GB" sz="2000" b="1" i="0" u="none" strike="noStrike" dirty="0">
                 <a:effectLst/>
@@ -10684,105 +10688,6 @@
               <a:cs typeface="Times New Roman" panose="02020603050405020304" pitchFamily="18" charset="0"/>
             </a:endParaRPr>
           </a:p>
-          <a:p>
-            <a:pPr marL="0" indent="0">
-              <a:lnSpc>
-                <a:spcPct val="100000"/>
-              </a:lnSpc>
-              <a:spcAft>
-                <a:spcPts val="800"/>
-              </a:spcAft>
-              <a:buNone/>
-              <a:tabLst>
-                <a:tab pos="2293620" algn="l"/>
-              </a:tabLst>
-            </a:pPr>
-            <a:r>
-              <a:rPr lang="en-IN" sz="2200" b="1" kern="100" dirty="0">
-                <a:solidFill>
-                  <a:schemeClr val="accent4"/>
-                </a:solidFill>
-                <a:effectLst/>
-                <a:latin typeface="Avenir Book" panose="02000503020000020003" pitchFamily="2" charset="0"/>
-                <a:ea typeface="Calibri" panose="020F0502020204030204" pitchFamily="34" charset="0"/>
-                <a:cs typeface="Times New Roman" panose="02020603050405020304" pitchFamily="18" charset="0"/>
-              </a:rPr>
-              <a:t>Limitations, challenges and potential future improvements:</a:t>
-            </a:r>
-          </a:p>
-          <a:p>
-            <a:pPr marL="0" indent="0">
-              <a:lnSpc>
-                <a:spcPct val="100000"/>
-              </a:lnSpc>
-              <a:spcAft>
-                <a:spcPts val="800"/>
-              </a:spcAft>
-              <a:buNone/>
-              <a:tabLst>
-                <a:tab pos="2293620" algn="l"/>
-              </a:tabLst>
-            </a:pPr>
-            <a:r>
-              <a:rPr lang="en-IN" sz="1800" b="1" kern="100" dirty="0">
-                <a:solidFill>
-                  <a:schemeClr val="bg1"/>
-                </a:solidFill>
-                <a:latin typeface="Avenir Book" panose="02000503020000020003" pitchFamily="2" charset="0"/>
-                <a:ea typeface="Calibri" panose="020F0502020204030204" pitchFamily="34" charset="0"/>
-                <a:cs typeface="Times New Roman" panose="02020603050405020304" pitchFamily="18" charset="0"/>
-              </a:rPr>
-              <a:t>        </a:t>
-            </a:r>
-            <a:r>
-              <a:rPr lang="en-IN" sz="1800" b="1" kern="100" dirty="0">
-                <a:solidFill>
-                  <a:schemeClr val="bg1"/>
-                </a:solidFill>
-                <a:effectLst/>
-                <a:latin typeface="Avenir Book" panose="02000503020000020003" pitchFamily="2" charset="0"/>
-                <a:ea typeface="Calibri" panose="020F0502020204030204" pitchFamily="34" charset="0"/>
-                <a:cs typeface="Times New Roman" panose="02020603050405020304" pitchFamily="18" charset="0"/>
-              </a:rPr>
-              <a:t>- False Positive Rate: </a:t>
-            </a:r>
-            <a:r>
-              <a:rPr lang="en-IN" sz="1800" kern="100" dirty="0">
-                <a:solidFill>
-                  <a:schemeClr val="bg1"/>
-                </a:solidFill>
-                <a:effectLst/>
-                <a:latin typeface="Avenir Book" panose="02000503020000020003" pitchFamily="2" charset="0"/>
-                <a:ea typeface="Calibri" panose="020F0502020204030204" pitchFamily="34" charset="0"/>
-                <a:cs typeface="Times New Roman" panose="02020603050405020304" pitchFamily="18" charset="0"/>
-              </a:rPr>
-              <a:t>The bloom filter component of the </a:t>
-            </a:r>
-            <a:r>
-              <a:rPr lang="en-IN" sz="1800" kern="100" dirty="0" err="1">
-                <a:solidFill>
-                  <a:schemeClr val="bg1"/>
-                </a:solidFill>
-                <a:effectLst/>
-                <a:latin typeface="Avenir Book" panose="02000503020000020003" pitchFamily="2" charset="0"/>
-                <a:ea typeface="Calibri" panose="020F0502020204030204" pitchFamily="34" charset="0"/>
-                <a:cs typeface="Times New Roman" panose="02020603050405020304" pitchFamily="18" charset="0"/>
-              </a:rPr>
-              <a:t>Trie</a:t>
-            </a:r>
-            <a:r>
-              <a:rPr lang="en-IN" sz="1800" kern="100" dirty="0">
-                <a:solidFill>
-                  <a:schemeClr val="bg1"/>
-                </a:solidFill>
-                <a:effectLst/>
-                <a:latin typeface="Avenir Book" panose="02000503020000020003" pitchFamily="2" charset="0"/>
-                <a:ea typeface="Calibri" panose="020F0502020204030204" pitchFamily="34" charset="0"/>
-                <a:cs typeface="Times New Roman" panose="02020603050405020304" pitchFamily="18" charset="0"/>
-              </a:rPr>
-              <a:t> Bloom Filter introduces the possibility of false positives. While the false positive rate can be controlled by adjusting the size of the bloom filter, achieving a very low false positive rate may require a larger bloom filter size, leading to increased memory usage. Balancing false positive rates and memory usage is a challenge, and future improvements could focus on developing more sophisticated techniques to reduce false positives without significantly increasing memory requirements.</a:t>
-            </a:r>
-          </a:p>
         </p:txBody>
       </p:sp>
       <p:sp>
@@ -10923,124 +10828,16 @@
               </a:tabLst>
             </a:pPr>
             <a:r>
-              <a:rPr lang="en-IN" sz="1800" b="1" kern="100" dirty="0">
-                <a:solidFill>
-                  <a:schemeClr val="bg1"/>
+              <a:rPr lang="en-IN" sz="2200" b="1" kern="100" dirty="0">
+                <a:solidFill>
+                  <a:schemeClr val="accent4"/>
                 </a:solidFill>
                 <a:effectLst/>
                 <a:latin typeface="Avenir Book" panose="02000503020000020003" pitchFamily="2" charset="0"/>
                 <a:ea typeface="Calibri" panose="020F0502020204030204" pitchFamily="34" charset="0"/>
                 <a:cs typeface="Times New Roman" panose="02020603050405020304" pitchFamily="18" charset="0"/>
               </a:rPr>
-              <a:t>        - Memory consumption: </a:t>
-            </a:r>
-            <a:r>
-              <a:rPr lang="en-IN" sz="1800" kern="100" dirty="0">
-                <a:solidFill>
-                  <a:schemeClr val="bg1"/>
-                </a:solidFill>
-                <a:effectLst/>
-                <a:latin typeface="Avenir Book" panose="02000503020000020003" pitchFamily="2" charset="0"/>
-                <a:ea typeface="Calibri" panose="020F0502020204030204" pitchFamily="34" charset="0"/>
-                <a:cs typeface="Times New Roman" panose="02020603050405020304" pitchFamily="18" charset="0"/>
-              </a:rPr>
-              <a:t>The </a:t>
-            </a:r>
-            <a:r>
-              <a:rPr lang="en-IN" sz="1800" kern="100" dirty="0" err="1">
-                <a:solidFill>
-                  <a:schemeClr val="bg1"/>
-                </a:solidFill>
-                <a:effectLst/>
-                <a:latin typeface="Avenir Book" panose="02000503020000020003" pitchFamily="2" charset="0"/>
-                <a:ea typeface="Calibri" panose="020F0502020204030204" pitchFamily="34" charset="0"/>
-                <a:cs typeface="Times New Roman" panose="02020603050405020304" pitchFamily="18" charset="0"/>
-              </a:rPr>
-              <a:t>Trie</a:t>
-            </a:r>
-            <a:r>
-              <a:rPr lang="en-IN" sz="1800" kern="100" dirty="0">
-                <a:solidFill>
-                  <a:schemeClr val="bg1"/>
-                </a:solidFill>
-                <a:effectLst/>
-                <a:latin typeface="Avenir Book" panose="02000503020000020003" pitchFamily="2" charset="0"/>
-                <a:ea typeface="Calibri" panose="020F0502020204030204" pitchFamily="34" charset="0"/>
-                <a:cs typeface="Times New Roman" panose="02020603050405020304" pitchFamily="18" charset="0"/>
-              </a:rPr>
-              <a:t> Bloom Filter uses both the </a:t>
-            </a:r>
-            <a:r>
-              <a:rPr lang="en-IN" sz="1800" kern="100" dirty="0" err="1">
-                <a:solidFill>
-                  <a:schemeClr val="bg1"/>
-                </a:solidFill>
-                <a:effectLst/>
-                <a:latin typeface="Avenir Book" panose="02000503020000020003" pitchFamily="2" charset="0"/>
-                <a:ea typeface="Calibri" panose="020F0502020204030204" pitchFamily="34" charset="0"/>
-                <a:cs typeface="Times New Roman" panose="02020603050405020304" pitchFamily="18" charset="0"/>
-              </a:rPr>
-              <a:t>trie</a:t>
-            </a:r>
-            <a:r>
-              <a:rPr lang="en-IN" sz="1800" kern="100" dirty="0">
-                <a:solidFill>
-                  <a:schemeClr val="bg1"/>
-                </a:solidFill>
-                <a:effectLst/>
-                <a:latin typeface="Avenir Book" panose="02000503020000020003" pitchFamily="2" charset="0"/>
-                <a:ea typeface="Calibri" panose="020F0502020204030204" pitchFamily="34" charset="0"/>
-                <a:cs typeface="Times New Roman" panose="02020603050405020304" pitchFamily="18" charset="0"/>
-              </a:rPr>
-              <a:t> filter structure and the blooming filter so that it incurs additional memory overhead in comparison to a simple </a:t>
-            </a:r>
-            <a:r>
-              <a:rPr lang="en-IN" sz="1800" kern="100" dirty="0" err="1">
-                <a:solidFill>
-                  <a:schemeClr val="bg1"/>
-                </a:solidFill>
-                <a:effectLst/>
-                <a:latin typeface="Avenir Book" panose="02000503020000020003" pitchFamily="2" charset="0"/>
-                <a:ea typeface="Calibri" panose="020F0502020204030204" pitchFamily="34" charset="0"/>
-                <a:cs typeface="Times New Roman" panose="02020603050405020304" pitchFamily="18" charset="0"/>
-              </a:rPr>
-              <a:t>trie</a:t>
-            </a:r>
-            <a:r>
-              <a:rPr lang="en-IN" sz="1800" kern="100" dirty="0">
-                <a:solidFill>
-                  <a:schemeClr val="bg1"/>
-                </a:solidFill>
-                <a:effectLst/>
-                <a:latin typeface="Avenir Book" panose="02000503020000020003" pitchFamily="2" charset="0"/>
-                <a:ea typeface="Calibri" panose="020F0502020204030204" pitchFamily="34" charset="0"/>
-                <a:cs typeface="Times New Roman" panose="02020603050405020304" pitchFamily="18" charset="0"/>
-              </a:rPr>
-              <a:t> or bloom filter. Although it provides memory efficiency compared to a pure </a:t>
-            </a:r>
-            <a:r>
-              <a:rPr lang="en-IN" sz="1800" kern="100" dirty="0" err="1">
-                <a:solidFill>
-                  <a:schemeClr val="bg1"/>
-                </a:solidFill>
-                <a:effectLst/>
-                <a:latin typeface="Avenir Book" panose="02000503020000020003" pitchFamily="2" charset="0"/>
-                <a:ea typeface="Calibri" panose="020F0502020204030204" pitchFamily="34" charset="0"/>
-                <a:cs typeface="Times New Roman" panose="02020603050405020304" pitchFamily="18" charset="0"/>
-              </a:rPr>
-              <a:t>trie</a:t>
-            </a:r>
-            <a:r>
-              <a:rPr lang="en-IN" sz="1800" kern="100" dirty="0">
-                <a:solidFill>
-                  <a:schemeClr val="bg1"/>
-                </a:solidFill>
-                <a:effectLst/>
-                <a:latin typeface="Avenir Book" panose="02000503020000020003" pitchFamily="2" charset="0"/>
-                <a:ea typeface="Calibri" panose="020F0502020204030204" pitchFamily="34" charset="0"/>
-                <a:cs typeface="Times New Roman" panose="02020603050405020304" pitchFamily="18" charset="0"/>
-              </a:rPr>
-              <a:t>, memory usage can still be a limitation in scenarios with large datasets. The next area of improvement is the exploration of techniques to optimize memory utilisation in a way that does not compromise performance.</a:t>
+              <a:t>Limitations, challenges and potential future improvements:</a:t>
             </a:r>
           </a:p>
           <a:p>
@@ -11065,7 +10862,7 @@
                 <a:ea typeface="Calibri" panose="020F0502020204030204" pitchFamily="34" charset="0"/>
                 <a:cs typeface="Times New Roman" panose="02020603050405020304" pitchFamily="18" charset="0"/>
               </a:rPr>
-              <a:t>       - </a:t>
+              <a:t>        </a:t>
             </a:r>
             <a:r>
               <a:rPr lang="en-IN" sz="1800" b="1" kern="100" dirty="0">
@@ -11077,7 +10874,7 @@
                 <a:ea typeface="Calibri" panose="020F0502020204030204" pitchFamily="34" charset="0"/>
                 <a:cs typeface="Times New Roman" panose="02020603050405020304" pitchFamily="18" charset="0"/>
               </a:rPr>
-              <a:t>Scalability:</a:t>
+              <a:t>- False Positive Rate: </a:t>
             </a:r>
             <a:r>
               <a:rPr lang="en-IN" sz="1800" kern="100" dirty="0">
@@ -11089,7 +10886,7 @@
                 <a:ea typeface="Calibri" panose="020F0502020204030204" pitchFamily="34" charset="0"/>
                 <a:cs typeface="Times New Roman" panose="02020603050405020304" pitchFamily="18" charset="0"/>
               </a:rPr>
-              <a:t> The functionality of the </a:t>
+              <a:t>The bloom filter component of the </a:t>
             </a:r>
             <a:r>
               <a:rPr lang="en-IN" sz="1800" kern="100" dirty="0" err="1">
@@ -11113,18 +10910,7 @@
                 <a:ea typeface="Calibri" panose="020F0502020204030204" pitchFamily="34" charset="0"/>
                 <a:cs typeface="Times New Roman" panose="02020603050405020304" pitchFamily="18" charset="0"/>
               </a:rPr>
-              <a:t> Bloom Filter depends on your bloom filter's capacity. False positive rates are increased in cases where a dataset is too large for bloom filters, affecting the accuracy of search results. To cope with growth in data, the next improvements could be focused on dynamic resizes of bloom filters to improve scaling and maintain a desired level of false positives</a:t>
-            </a:r>
-            <a:r>
-              <a:rPr lang="en-IN" sz="1800" kern="100" dirty="0">
-                <a:solidFill>
-                  <a:schemeClr val="bg1"/>
-                </a:solidFill>
-                <a:latin typeface="Avenir Book" panose="02000503020000020003" pitchFamily="2" charset="0"/>
-                <a:ea typeface="Calibri" panose="020F0502020204030204" pitchFamily="34" charset="0"/>
-                <a:cs typeface="Times New Roman" panose="02020603050405020304" pitchFamily="18" charset="0"/>
-              </a:rPr>
-              <a:t>.</a:t>
+              <a:t> Bloom Filter introduces the possibility of false positives. While the false positive rate can be controlled by adjusting the size of the bloom filter, achieving a very low false positive rate may require a larger bloom filter size, leading to increased memory usage. Balancing false positive rates and memory usage is a challenge, and future improvements could focus on developing more sophisticated techniques to reduce false positives without significantly increasing memory requirements.</a:t>
             </a:r>
           </a:p>
           <a:p>
@@ -11145,15 +10931,14 @@
                 <a:solidFill>
                   <a:schemeClr val="bg1"/>
                 </a:solidFill>
-                <a:effectLst/>
                 <a:latin typeface="Avenir Book" panose="02000503020000020003" pitchFamily="2" charset="0"/>
                 <a:ea typeface="Calibri" panose="020F0502020204030204" pitchFamily="34" charset="0"/>
                 <a:cs typeface="Times New Roman" panose="02020603050405020304" pitchFamily="18" charset="0"/>
               </a:rPr>
-              <a:t>       - Update efficiency:</a:t>
-            </a:r>
-            <a:r>
-              <a:rPr lang="en-IN" sz="1800" kern="100" dirty="0">
+              <a:t>        </a:t>
+            </a:r>
+            <a:r>
+              <a:rPr lang="en-IN" sz="1800" b="1" kern="100" dirty="0">
                 <a:solidFill>
                   <a:schemeClr val="bg1"/>
                 </a:solidFill>
@@ -11162,10 +10947,10 @@
                 <a:ea typeface="Calibri" panose="020F0502020204030204" pitchFamily="34" charset="0"/>
                 <a:cs typeface="Times New Roman" panose="02020603050405020304" pitchFamily="18" charset="0"/>
               </a:rPr>
-              <a:t> To perform insertion and deletion operations in a </a:t>
-            </a:r>
-            <a:r>
-              <a:rPr lang="en-IN" sz="1800" kern="100" dirty="0" err="1">
+              <a:t>- Memory consumption: </a:t>
+            </a:r>
+            <a:r>
+              <a:rPr lang="en-IN" sz="1800" kern="100" dirty="0">
                 <a:solidFill>
                   <a:schemeClr val="bg1"/>
                 </a:solidFill>
@@ -11174,10 +10959,10 @@
                 <a:ea typeface="Calibri" panose="020F0502020204030204" pitchFamily="34" charset="0"/>
                 <a:cs typeface="Times New Roman" panose="02020603050405020304" pitchFamily="18" charset="0"/>
               </a:rPr>
-              <a:t>Trie</a:t>
-            </a:r>
-            <a:r>
-              <a:rPr lang="en-IN" sz="1800" kern="100" dirty="0">
+              <a:t>The </a:t>
+            </a:r>
+            <a:r>
+              <a:rPr lang="en-IN" sz="1800" kern="100" dirty="0" err="1">
                 <a:solidFill>
                   <a:schemeClr val="bg1"/>
                 </a:solidFill>
@@ -11186,10 +10971,10 @@
                 <a:ea typeface="Calibri" panose="020F0502020204030204" pitchFamily="34" charset="0"/>
                 <a:cs typeface="Times New Roman" panose="02020603050405020304" pitchFamily="18" charset="0"/>
               </a:rPr>
-              <a:t> Bloom Filter, it is necessary to cross the </a:t>
-            </a:r>
-            <a:r>
-              <a:rPr lang="en-IN" sz="1800" kern="100" dirty="0" err="1">
+              <a:t>Trie</a:t>
+            </a:r>
+            <a:r>
+              <a:rPr lang="en-IN" sz="1800" kern="100" dirty="0">
                 <a:solidFill>
                   <a:schemeClr val="bg1"/>
                 </a:solidFill>
@@ -11198,10 +10983,10 @@
                 <a:ea typeface="Calibri" panose="020F0502020204030204" pitchFamily="34" charset="0"/>
                 <a:cs typeface="Times New Roman" panose="02020603050405020304" pitchFamily="18" charset="0"/>
               </a:rPr>
-              <a:t>trie</a:t>
-            </a:r>
-            <a:r>
-              <a:rPr lang="en-IN" sz="1800" kern="100" dirty="0">
+              <a:t> Bloom Filter uses both the </a:t>
+            </a:r>
+            <a:r>
+              <a:rPr lang="en-IN" sz="1800" kern="100" dirty="0" err="1">
                 <a:solidFill>
                   <a:schemeClr val="bg1"/>
                 </a:solidFill>
@@ -11210,10 +10995,10 @@
                 <a:ea typeface="Calibri" panose="020F0502020204030204" pitchFamily="34" charset="0"/>
                 <a:cs typeface="Times New Roman" panose="02020603050405020304" pitchFamily="18" charset="0"/>
               </a:rPr>
-              <a:t> structure that can introduce overheads, especially for large words or frequent updates. The effectiveness of updates can be improved by optimising insertion and deletion operations so that they reduce the traversal and modification complexity of the </a:t>
-            </a:r>
-            <a:r>
-              <a:rPr lang="en-IN" sz="1800" kern="100" dirty="0" err="1">
+              <a:t>trie</a:t>
+            </a:r>
+            <a:r>
+              <a:rPr lang="en-IN" sz="1800" kern="100" dirty="0">
                 <a:solidFill>
                   <a:schemeClr val="bg1"/>
                 </a:solidFill>
@@ -11222,10 +11007,10 @@
                 <a:ea typeface="Calibri" panose="020F0502020204030204" pitchFamily="34" charset="0"/>
                 <a:cs typeface="Times New Roman" panose="02020603050405020304" pitchFamily="18" charset="0"/>
               </a:rPr>
-              <a:t>trie</a:t>
-            </a:r>
-            <a:r>
-              <a:rPr lang="en-IN" sz="1800" kern="100" dirty="0">
+              <a:t> filter structure and the blooming filter so that it incurs additional memory overhead in comparison to a simple </a:t>
+            </a:r>
+            <a:r>
+              <a:rPr lang="en-IN" sz="1800" kern="100" dirty="0" err="1">
                 <a:solidFill>
                   <a:schemeClr val="bg1"/>
                 </a:solidFill>
@@ -11234,8 +11019,137 @@
                 <a:ea typeface="Calibri" panose="020F0502020204030204" pitchFamily="34" charset="0"/>
                 <a:cs typeface="Times New Roman" panose="02020603050405020304" pitchFamily="18" charset="0"/>
               </a:rPr>
-              <a:t> structure.</a:t>
-            </a:r>
+              <a:t>trie</a:t>
+            </a:r>
+            <a:r>
+              <a:rPr lang="en-IN" sz="1800" kern="100" dirty="0">
+                <a:solidFill>
+                  <a:schemeClr val="bg1"/>
+                </a:solidFill>
+                <a:effectLst/>
+                <a:latin typeface="Avenir Book" panose="02000503020000020003" pitchFamily="2" charset="0"/>
+                <a:ea typeface="Calibri" panose="020F0502020204030204" pitchFamily="34" charset="0"/>
+                <a:cs typeface="Times New Roman" panose="02020603050405020304" pitchFamily="18" charset="0"/>
+              </a:rPr>
+              <a:t> or bloom filter. Although it provides memory efficiency compared to a pure </a:t>
+            </a:r>
+            <a:r>
+              <a:rPr lang="en-IN" sz="1800" kern="100" dirty="0" err="1">
+                <a:solidFill>
+                  <a:schemeClr val="bg1"/>
+                </a:solidFill>
+                <a:effectLst/>
+                <a:latin typeface="Avenir Book" panose="02000503020000020003" pitchFamily="2" charset="0"/>
+                <a:ea typeface="Calibri" panose="020F0502020204030204" pitchFamily="34" charset="0"/>
+                <a:cs typeface="Times New Roman" panose="02020603050405020304" pitchFamily="18" charset="0"/>
+              </a:rPr>
+              <a:t>trie</a:t>
+            </a:r>
+            <a:r>
+              <a:rPr lang="en-IN" sz="1800" kern="100" dirty="0">
+                <a:solidFill>
+                  <a:schemeClr val="bg1"/>
+                </a:solidFill>
+                <a:effectLst/>
+                <a:latin typeface="Avenir Book" panose="02000503020000020003" pitchFamily="2" charset="0"/>
+                <a:ea typeface="Calibri" panose="020F0502020204030204" pitchFamily="34" charset="0"/>
+                <a:cs typeface="Times New Roman" panose="02020603050405020304" pitchFamily="18" charset="0"/>
+              </a:rPr>
+              <a:t>, memory usage can still be a limitation in scenarios with large datasets. The next area of improvement is the exploration of techniques to optimize memory utilisation in a way that does not compromise performance.</a:t>
+            </a:r>
+          </a:p>
+          <a:p>
+            <a:pPr marL="0" indent="0">
+              <a:lnSpc>
+                <a:spcPct val="100000"/>
+              </a:lnSpc>
+              <a:spcAft>
+                <a:spcPts val="800"/>
+              </a:spcAft>
+              <a:buNone/>
+              <a:tabLst>
+                <a:tab pos="2293620" algn="l"/>
+              </a:tabLst>
+            </a:pPr>
+            <a:r>
+              <a:rPr lang="en-IN" sz="1800" b="1" kern="100" dirty="0">
+                <a:solidFill>
+                  <a:schemeClr val="bg1"/>
+                </a:solidFill>
+                <a:latin typeface="Avenir Book" panose="02000503020000020003" pitchFamily="2" charset="0"/>
+                <a:ea typeface="Calibri" panose="020F0502020204030204" pitchFamily="34" charset="0"/>
+                <a:cs typeface="Times New Roman" panose="02020603050405020304" pitchFamily="18" charset="0"/>
+              </a:rPr>
+              <a:t>       - </a:t>
+            </a:r>
+            <a:r>
+              <a:rPr lang="en-IN" sz="1800" b="1" kern="100" dirty="0">
+                <a:solidFill>
+                  <a:schemeClr val="bg1"/>
+                </a:solidFill>
+                <a:effectLst/>
+                <a:latin typeface="Avenir Book" panose="02000503020000020003" pitchFamily="2" charset="0"/>
+                <a:ea typeface="Calibri" panose="020F0502020204030204" pitchFamily="34" charset="0"/>
+                <a:cs typeface="Times New Roman" panose="02020603050405020304" pitchFamily="18" charset="0"/>
+              </a:rPr>
+              <a:t>Scalability:</a:t>
+            </a:r>
+            <a:r>
+              <a:rPr lang="en-IN" sz="1800" kern="100" dirty="0">
+                <a:solidFill>
+                  <a:schemeClr val="bg1"/>
+                </a:solidFill>
+                <a:effectLst/>
+                <a:latin typeface="Avenir Book" panose="02000503020000020003" pitchFamily="2" charset="0"/>
+                <a:ea typeface="Calibri" panose="020F0502020204030204" pitchFamily="34" charset="0"/>
+                <a:cs typeface="Times New Roman" panose="02020603050405020304" pitchFamily="18" charset="0"/>
+              </a:rPr>
+              <a:t> The functionality of the </a:t>
+            </a:r>
+            <a:r>
+              <a:rPr lang="en-IN" sz="1800" kern="100" dirty="0" err="1">
+                <a:solidFill>
+                  <a:schemeClr val="bg1"/>
+                </a:solidFill>
+                <a:effectLst/>
+                <a:latin typeface="Avenir Book" panose="02000503020000020003" pitchFamily="2" charset="0"/>
+                <a:ea typeface="Calibri" panose="020F0502020204030204" pitchFamily="34" charset="0"/>
+                <a:cs typeface="Times New Roman" panose="02020603050405020304" pitchFamily="18" charset="0"/>
+              </a:rPr>
+              <a:t>Trie</a:t>
+            </a:r>
+            <a:r>
+              <a:rPr lang="en-IN" sz="1800" kern="100" dirty="0">
+                <a:solidFill>
+                  <a:schemeClr val="bg1"/>
+                </a:solidFill>
+                <a:effectLst/>
+                <a:latin typeface="Avenir Book" panose="02000503020000020003" pitchFamily="2" charset="0"/>
+                <a:ea typeface="Calibri" panose="020F0502020204030204" pitchFamily="34" charset="0"/>
+                <a:cs typeface="Times New Roman" panose="02020603050405020304" pitchFamily="18" charset="0"/>
+              </a:rPr>
+              <a:t> Bloom Filter depends on your bloom filter's capacity. False positive rates are increased in cases where a dataset is too large for bloom filters, affecting the accuracy of search results. To cope with growth in data, the next improvements could be focused on dynamic resizes of bloom filters to improve scaling and maintain a desired level of false positives</a:t>
+            </a:r>
+            <a:r>
+              <a:rPr lang="en-IN" sz="1800" kern="100" dirty="0">
+                <a:solidFill>
+                  <a:schemeClr val="bg1"/>
+                </a:solidFill>
+                <a:latin typeface="Avenir Book" panose="02000503020000020003" pitchFamily="2" charset="0"/>
+                <a:ea typeface="Calibri" panose="020F0502020204030204" pitchFamily="34" charset="0"/>
+                <a:cs typeface="Times New Roman" panose="02020603050405020304" pitchFamily="18" charset="0"/>
+              </a:rPr>
+              <a:t>.</a:t>
+            </a:r>
+            <a:endParaRPr lang="en-IN" sz="1800" kern="100" dirty="0">
+              <a:solidFill>
+                <a:schemeClr val="bg1"/>
+              </a:solidFill>
+              <a:effectLst/>
+              <a:latin typeface="Avenir Book" panose="02000503020000020003" pitchFamily="2" charset="0"/>
+              <a:ea typeface="Calibri" panose="020F0502020204030204" pitchFamily="34" charset="0"/>
+              <a:cs typeface="Times New Roman" panose="02020603050405020304" pitchFamily="18" charset="0"/>
+            </a:endParaRPr>
           </a:p>
         </p:txBody>
       </p:sp>
@@ -11244,7 +11158,7 @@
           <p:cNvPr id="2" name="Pie 1">
             <a:extLst>
               <a:ext uri="{FF2B5EF4-FFF2-40B4-BE49-F238E27FC236}">
-                <a16:creationId xmlns:a16="http://schemas.microsoft.com/office/drawing/2014/main" id="{174C13EC-C79B-A97A-0A87-07B9852DE4BA}"/>
+                <a16:creationId xmlns:a16="http://schemas.microsoft.com/office/drawing/2014/main" id="{FA5D42C2-571B-0A81-483C-1047D295F88B}"/>
               </a:ext>
             </a:extLst>
           </p:cNvPr>
@@ -11298,7 +11212,7 @@
     </p:spTree>
     <p:extLst>
       <p:ext uri="{BB962C8B-B14F-4D97-AF65-F5344CB8AC3E}">
-        <p14:creationId xmlns:p14="http://schemas.microsoft.com/office/powerpoint/2010/main" val="2055030842"/>
+        <p14:creationId xmlns:p14="http://schemas.microsoft.com/office/powerpoint/2010/main" val="2287440118"/>
       </p:ext>
     </p:extLst>
   </p:cSld>
@@ -11381,14 +11295,15 @@
                 <a:solidFill>
                   <a:schemeClr val="bg1"/>
                 </a:solidFill>
+                <a:effectLst/>
                 <a:latin typeface="Avenir Book" panose="02000503020000020003" pitchFamily="2" charset="0"/>
                 <a:ea typeface="Calibri" panose="020F0502020204030204" pitchFamily="34" charset="0"/>
                 <a:cs typeface="Times New Roman" panose="02020603050405020304" pitchFamily="18" charset="0"/>
               </a:rPr>
-              <a:t>       - </a:t>
-            </a:r>
-            <a:r>
-              <a:rPr lang="en-IN" sz="1800" b="1" kern="100" dirty="0">
+              <a:t>        - Update efficiency:</a:t>
+            </a:r>
+            <a:r>
+              <a:rPr lang="en-IN" sz="1800" kern="100" dirty="0">
                 <a:solidFill>
                   <a:schemeClr val="bg1"/>
                 </a:solidFill>
@@ -11397,7 +11312,7 @@
                 <a:ea typeface="Calibri" panose="020F0502020204030204" pitchFamily="34" charset="0"/>
                 <a:cs typeface="Times New Roman" panose="02020603050405020304" pitchFamily="18" charset="0"/>
               </a:rPr>
-              <a:t>Flexibility and unification: </a:t>
+              <a:t> To perform insertion and deletion operations in a </a:t>
             </a:r>
             <a:r>
               <a:rPr lang="en-IN" sz="1800" kern="100" dirty="0" err="1">
@@ -11421,7 +11336,55 @@
                 <a:ea typeface="Calibri" panose="020F0502020204030204" pitchFamily="34" charset="0"/>
                 <a:cs typeface="Times New Roman" panose="02020603050405020304" pitchFamily="18" charset="0"/>
               </a:rPr>
-              <a:t> Bloom filters have been applied in particular to strings. The flexibility and applicability in a broader range of scenarios can be enhanced by increasing the data structure's ability to work with different types of data or allowing for customizable key value Maps.</a:t>
+              <a:t> Bloom Filter, it is necessary to cross the </a:t>
+            </a:r>
+            <a:r>
+              <a:rPr lang="en-IN" sz="1800" kern="100" dirty="0" err="1">
+                <a:solidFill>
+                  <a:schemeClr val="bg1"/>
+                </a:solidFill>
+                <a:effectLst/>
+                <a:latin typeface="Avenir Book" panose="02000503020000020003" pitchFamily="2" charset="0"/>
+                <a:ea typeface="Calibri" panose="020F0502020204030204" pitchFamily="34" charset="0"/>
+                <a:cs typeface="Times New Roman" panose="02020603050405020304" pitchFamily="18" charset="0"/>
+              </a:rPr>
+              <a:t>trie</a:t>
+            </a:r>
+            <a:r>
+              <a:rPr lang="en-IN" sz="1800" kern="100" dirty="0">
+                <a:solidFill>
+                  <a:schemeClr val="bg1"/>
+                </a:solidFill>
+                <a:effectLst/>
+                <a:latin typeface="Avenir Book" panose="02000503020000020003" pitchFamily="2" charset="0"/>
+                <a:ea typeface="Calibri" panose="020F0502020204030204" pitchFamily="34" charset="0"/>
+                <a:cs typeface="Times New Roman" panose="02020603050405020304" pitchFamily="18" charset="0"/>
+              </a:rPr>
+              <a:t> structure that can introduce overheads, especially for large words or frequent updates. The effectiveness of updates can be improved by optimising insertion and deletion operations so that they reduce the traversal and modification complexity of the </a:t>
+            </a:r>
+            <a:r>
+              <a:rPr lang="en-IN" sz="1800" kern="100" dirty="0" err="1">
+                <a:solidFill>
+                  <a:schemeClr val="bg1"/>
+                </a:solidFill>
+                <a:effectLst/>
+                <a:latin typeface="Avenir Book" panose="02000503020000020003" pitchFamily="2" charset="0"/>
+                <a:ea typeface="Calibri" panose="020F0502020204030204" pitchFamily="34" charset="0"/>
+                <a:cs typeface="Times New Roman" panose="02020603050405020304" pitchFamily="18" charset="0"/>
+              </a:rPr>
+              <a:t>trie</a:t>
+            </a:r>
+            <a:r>
+              <a:rPr lang="en-IN" sz="1800" kern="100" dirty="0">
+                <a:solidFill>
+                  <a:schemeClr val="bg1"/>
+                </a:solidFill>
+                <a:effectLst/>
+                <a:latin typeface="Avenir Book" panose="02000503020000020003" pitchFamily="2" charset="0"/>
+                <a:ea typeface="Calibri" panose="020F0502020204030204" pitchFamily="34" charset="0"/>
+                <a:cs typeface="Times New Roman" panose="02020603050405020304" pitchFamily="18" charset="0"/>
+              </a:rPr>
+              <a:t> structure.</a:t>
             </a:r>
           </a:p>
           <a:p>
@@ -11446,7 +11409,7 @@
                 <a:ea typeface="Calibri" panose="020F0502020204030204" pitchFamily="34" charset="0"/>
                 <a:cs typeface="Times New Roman" panose="02020603050405020304" pitchFamily="18" charset="0"/>
               </a:rPr>
-              <a:t>       - </a:t>
+              <a:t>        - </a:t>
             </a:r>
             <a:r>
               <a:rPr lang="en-IN" sz="1800" b="1" kern="100" dirty="0">
@@ -11458,10 +11421,10 @@
                 <a:ea typeface="Calibri" panose="020F0502020204030204" pitchFamily="34" charset="0"/>
                 <a:cs typeface="Times New Roman" panose="02020603050405020304" pitchFamily="18" charset="0"/>
               </a:rPr>
-              <a:t>Parallelized and distributed systems: </a:t>
-            </a:r>
-            <a:r>
-              <a:rPr lang="en-IN" sz="1800" kern="100" dirty="0">
+              <a:t>Flexibility and unification: </a:t>
+            </a:r>
+            <a:r>
+              <a:rPr lang="en-IN" sz="1800" kern="100" dirty="0" err="1">
                 <a:solidFill>
                   <a:schemeClr val="bg1"/>
                 </a:solidFill>
@@ -11470,10 +11433,10 @@
                 <a:ea typeface="Calibri" panose="020F0502020204030204" pitchFamily="34" charset="0"/>
                 <a:cs typeface="Times New Roman" panose="02020603050405020304" pitchFamily="18" charset="0"/>
               </a:rPr>
-              <a:t>The performance may be improved by using complementary techniques or the distribution of </a:t>
-            </a:r>
-            <a:r>
-              <a:rPr lang="en-IN" sz="1800" kern="100" dirty="0" err="1">
+              <a:t>Trie</a:t>
+            </a:r>
+            <a:r>
+              <a:rPr lang="en-IN" sz="1800" kern="100" dirty="0">
                 <a:solidFill>
                   <a:schemeClr val="bg1"/>
                 </a:solidFill>
@@ -11482,19 +11445,7 @@
                 <a:ea typeface="Calibri" panose="020F0502020204030204" pitchFamily="34" charset="0"/>
                 <a:cs typeface="Times New Roman" panose="02020603050405020304" pitchFamily="18" charset="0"/>
               </a:rPr>
-              <a:t>Trie</a:t>
-            </a:r>
-            <a:r>
-              <a:rPr lang="en-IN" sz="1800" kern="100" dirty="0">
-                <a:solidFill>
-                  <a:schemeClr val="bg1"/>
-                </a:solidFill>
-                <a:effectLst/>
-                <a:latin typeface="Avenir Book" panose="02000503020000020003" pitchFamily="2" charset="0"/>
-                <a:ea typeface="Calibri" panose="020F0502020204030204" pitchFamily="34" charset="0"/>
-                <a:cs typeface="Times New Roman" panose="02020603050405020304" pitchFamily="18" charset="0"/>
-              </a:rPr>
-              <a:t> Bloom Filters on a number of computers, which can make it possible to handle bigger data sets. Future improvements could look at ways to parallelize searches, inserts and deletions operations as well as distribute the data structure between several nodes.</a:t>
+              <a:t> Bloom filters have been applied in particular to strings. The flexibility and applicability in a broader range of scenarios can be enhanced by increasing the data structure's ability to work with different types of data or allowing for customizable key value Maps.</a:t>
             </a:r>
           </a:p>
           <a:p>
@@ -11511,33 +11462,18 @@
               </a:tabLst>
             </a:pPr>
             <a:r>
-              <a:rPr lang="en-IN" sz="2200" b="1" kern="100" dirty="0">
-                <a:solidFill>
-                  <a:schemeClr val="accent4"/>
-                </a:solidFill>
-                <a:effectLst/>
+              <a:rPr lang="en-IN" sz="1800" b="1" kern="100" dirty="0">
+                <a:solidFill>
+                  <a:schemeClr val="bg1"/>
+                </a:solidFill>
                 <a:latin typeface="Avenir Book" panose="02000503020000020003" pitchFamily="2" charset="0"/>
                 <a:ea typeface="Calibri" panose="020F0502020204030204" pitchFamily="34" charset="0"/>
                 <a:cs typeface="Times New Roman" panose="02020603050405020304" pitchFamily="18" charset="0"/>
               </a:rPr>
-              <a:t>Performance analysis and optimization: </a:t>
-            </a:r>
-          </a:p>
-          <a:p>
-            <a:pPr marL="0" indent="0">
-              <a:lnSpc>
-                <a:spcPct val="100000"/>
-              </a:lnSpc>
-              <a:spcAft>
-                <a:spcPts val="800"/>
-              </a:spcAft>
-              <a:buNone/>
-              <a:tabLst>
-                <a:tab pos="2293620" algn="l"/>
-              </a:tabLst>
-            </a:pPr>
-            <a:r>
-              <a:rPr lang="en-IN" sz="1800" kern="100" dirty="0">
+              <a:t>       - </a:t>
+            </a:r>
+            <a:r>
+              <a:rPr lang="en-IN" sz="1800" b="1" kern="100" dirty="0">
                 <a:solidFill>
                   <a:schemeClr val="bg1"/>
                 </a:solidFill>
@@ -11546,10 +11482,10 @@
                 <a:ea typeface="Calibri" panose="020F0502020204030204" pitchFamily="34" charset="0"/>
                 <a:cs typeface="Times New Roman" panose="02020603050405020304" pitchFamily="18" charset="0"/>
               </a:rPr>
-              <a:t>        It can be useful to identify the strengths, weaknesses or possible deficiencies of the </a:t>
-            </a:r>
-            <a:r>
-              <a:rPr lang="en-IN" sz="1800" kern="100" dirty="0" err="1">
+              <a:t>Parallelized and distributed systems: </a:t>
+            </a:r>
+            <a:r>
+              <a:rPr lang="en-IN" sz="1800" kern="100" dirty="0">
                 <a:solidFill>
                   <a:schemeClr val="bg1"/>
                 </a:solidFill>
@@ -11558,10 +11494,10 @@
                 <a:ea typeface="Calibri" panose="020F0502020204030204" pitchFamily="34" charset="0"/>
                 <a:cs typeface="Times New Roman" panose="02020603050405020304" pitchFamily="18" charset="0"/>
               </a:rPr>
-              <a:t>Trie</a:t>
-            </a:r>
-            <a:r>
-              <a:rPr lang="en-IN" sz="1800" kern="100" dirty="0">
+              <a:t>The performance may be improved by using complementary techniques or the distribution of </a:t>
+            </a:r>
+            <a:r>
+              <a:rPr lang="en-IN" sz="1800" kern="100" dirty="0" err="1">
                 <a:solidFill>
                   <a:schemeClr val="bg1"/>
                 </a:solidFill>
@@ -11570,14 +11506,20 @@
                 <a:ea typeface="Calibri" panose="020F0502020204030204" pitchFamily="34" charset="0"/>
                 <a:cs typeface="Times New Roman" panose="02020603050405020304" pitchFamily="18" charset="0"/>
               </a:rPr>
-              <a:t> Bloom Filter by carrying out elaborate performance analysis, benchmarking as well as profiling. In order to further improve its overall performance and efficiency, this information can be used to guide future optimisations and improvements.</a:t>
-            </a:r>
-            <a:endParaRPr lang="en-US" sz="1800" dirty="0">
-              <a:solidFill>
-                <a:schemeClr val="bg1"/>
-              </a:solidFill>
-              <a:latin typeface="Avenir Book" panose="02000503020000020003" pitchFamily="2" charset="0"/>
-            </a:endParaRPr>
+              <a:t>Trie</a:t>
+            </a:r>
+            <a:r>
+              <a:rPr lang="en-IN" sz="1800" kern="100" dirty="0">
+                <a:solidFill>
+                  <a:schemeClr val="bg1"/>
+                </a:solidFill>
+                <a:effectLst/>
+                <a:latin typeface="Avenir Book" panose="02000503020000020003" pitchFamily="2" charset="0"/>
+                <a:ea typeface="Calibri" panose="020F0502020204030204" pitchFamily="34" charset="0"/>
+                <a:cs typeface="Times New Roman" panose="02020603050405020304" pitchFamily="18" charset="0"/>
+              </a:rPr>
+              <a:t> Bloom Filters on a number of computers, which can make it possible to handle bigger data sets. Future improvements could look at ways to parallelize searches, inserts and deletions operations as well as distribute the data structure between several nodes.</a:t>
+            </a:r>
           </a:p>
         </p:txBody>
       </p:sp>
@@ -11586,7 +11528,7 @@
           <p:cNvPr id="2" name="Pie 1">
             <a:extLst>
               <a:ext uri="{FF2B5EF4-FFF2-40B4-BE49-F238E27FC236}">
-                <a16:creationId xmlns:a16="http://schemas.microsoft.com/office/drawing/2014/main" id="{E88D9FEF-E8C2-15AB-8AEA-6A745028355C}"/>
+                <a16:creationId xmlns:a16="http://schemas.microsoft.com/office/drawing/2014/main" id="{174C13EC-C79B-A97A-0A87-07B9852DE4BA}"/>
               </a:ext>
             </a:extLst>
           </p:cNvPr>
@@ -11640,7 +11582,7 @@
     </p:spTree>
     <p:extLst>
       <p:ext uri="{BB962C8B-B14F-4D97-AF65-F5344CB8AC3E}">
-        <p14:creationId xmlns:p14="http://schemas.microsoft.com/office/powerpoint/2010/main" val="3634602669"/>
+        <p14:creationId xmlns:p14="http://schemas.microsoft.com/office/powerpoint/2010/main" val="2055030842"/>
       </p:ext>
     </p:extLst>
   </p:cSld>
@@ -12072,19 +12014,28 @@
               <a:lnSpc>
                 <a:spcPct val="100000"/>
               </a:lnSpc>
-              <a:spcAft>
-                <a:spcPts val="800"/>
-              </a:spcAft>
             </a:pPr>
-            <a:endParaRPr lang="en-IN" sz="1800" kern="100" dirty="0">
-              <a:solidFill>
-                <a:schemeClr val="bg1"/>
-              </a:solidFill>
-              <a:effectLst/>
-              <a:latin typeface="Avenir Book" panose="02000503020000020003" pitchFamily="2" charset="0"/>
-              <a:ea typeface="Calibri" panose="020F0502020204030204" pitchFamily="34" charset="0"/>
-              <a:cs typeface="Times New Roman" panose="02020603050405020304" pitchFamily="18" charset="0"/>
-            </a:endParaRPr>
+            <a:r>
+              <a:rPr lang="en-IN" sz="1800" dirty="0">
+                <a:hlinkClick r:id="rId2"/>
+              </a:rPr>
+              <a:t>https://www.geeksforgeeks.org/introduction-to-trie-data-structure-and-algorithm-tutorials/</a:t>
+            </a:r>
+            <a:endParaRPr lang="en-IN" sz="1800" dirty="0"/>
+          </a:p>
+          <a:p>
+            <a:pPr>
+              <a:lnSpc>
+                <a:spcPct val="100000"/>
+              </a:lnSpc>
+            </a:pPr>
+            <a:r>
+              <a:rPr lang="en-IN" sz="1800" dirty="0">
+                <a:hlinkClick r:id="rId3"/>
+              </a:rPr>
+              <a:t>https://llimllib.github.io/bloomfilter-tutorial/</a:t>
+            </a:r>
+            <a:endParaRPr lang="en-IN" sz="1800" dirty="0"/>
           </a:p>
         </p:txBody>
       </p:sp>
@@ -17238,7 +17189,7 @@
                                     <p:cond delay="0"/>
                                   </p:stCondLst>
                                   <p:childTnLst>
-                                    <p:animMotion origin="layout" path="M -1.875E-6 -2.22222E-6 L -0.05677 -2.22222E-6 " pathEditMode="relative" rAng="0" ptsTypes="AA">
+                                    <p:animMotion origin="layout" path="M -1.875E-6 -2.22222E-6 L -0.06107 0.00185 " pathEditMode="relative" rAng="0" ptsTypes="AA">
                                       <p:cBhvr>
                                         <p:cTn id="132" dur="2000" fill="hold"/>
                                         <p:tgtEl>
@@ -17249,7 +17200,7 @@
                                           <p:attrName>ppt_y</p:attrName>
                                         </p:attrNameLst>
                                       </p:cBhvr>
-                                      <p:rCtr x="-2839" y="0"/>
+                                      <p:rCtr x="-3060" y="93"/>
                                     </p:animMotion>
                                   </p:childTnLst>
                                 </p:cTn>
